--- a/Library Management System Ppt.pptx
+++ b/Library Management System Ppt.pptx
@@ -127,6 +127,11 @@
       </a:defRPr>
     </a:lvl9pPr>
   </p:defaultTextStyle>
+  <p:extLst>
+    <p:ext uri="{EFAFB233-063F-42B5-8137-9DF3F51BA10A}">
+      <p15:sldGuideLst xmlns:p15="http://schemas.microsoft.com/office/powerpoint/2012/main"/>
+    </p:ext>
+  </p:extLst>
 </p:presentation>
 </file>
 
@@ -212,7 +217,7 @@
           <a:p>
             <a:fld id="{0A5CF98A-74AB-44B2-ACDC-CC472CB6F9E4}" type="datetimeFigureOut">
               <a:rPr lang="en-US" smtClean="0"/>
-              <a:t>6/7/2020</a:t>
+              <a:t>6/8/2020</a:t>
             </a:fld>
             <a:endParaRPr lang="en-US" dirty="0"/>
           </a:p>
@@ -754,7 +759,7 @@
           <a:p>
             <a:fld id="{7261A074-9BDA-49BF-9295-4B36D6ED342A}" type="datetimeFigureOut">
               <a:rPr lang="en-US" smtClean="0"/>
-              <a:t>6/7/2020</a:t>
+              <a:t>6/8/2020</a:t>
             </a:fld>
             <a:endParaRPr lang="en-US" dirty="0"/>
           </a:p>
@@ -969,7 +974,7 @@
           <a:p>
             <a:fld id="{7261A074-9BDA-49BF-9295-4B36D6ED342A}" type="datetimeFigureOut">
               <a:rPr lang="en-US" smtClean="0"/>
-              <a:t>6/7/2020</a:t>
+              <a:t>6/8/2020</a:t>
             </a:fld>
             <a:endParaRPr lang="en-US" dirty="0"/>
           </a:p>
@@ -1149,7 +1154,7 @@
           <a:p>
             <a:fld id="{7261A074-9BDA-49BF-9295-4B36D6ED342A}" type="datetimeFigureOut">
               <a:rPr lang="en-US" smtClean="0"/>
-              <a:t>6/7/2020</a:t>
+              <a:t>6/8/2020</a:t>
             </a:fld>
             <a:endParaRPr lang="en-US" dirty="0"/>
           </a:p>
@@ -1319,7 +1324,7 @@
           <a:p>
             <a:fld id="{7261A074-9BDA-49BF-9295-4B36D6ED342A}" type="datetimeFigureOut">
               <a:rPr lang="en-US" smtClean="0"/>
-              <a:t>6/7/2020</a:t>
+              <a:t>6/8/2020</a:t>
             </a:fld>
             <a:endParaRPr lang="en-US" dirty="0"/>
           </a:p>
@@ -1573,7 +1578,7 @@
           <a:p>
             <a:fld id="{7261A074-9BDA-49BF-9295-4B36D6ED342A}" type="datetimeFigureOut">
               <a:rPr lang="en-US" smtClean="0"/>
-              <a:t>6/7/2020</a:t>
+              <a:t>6/8/2020</a:t>
             </a:fld>
             <a:endParaRPr lang="en-US" dirty="0"/>
           </a:p>
@@ -1899,7 +1904,7 @@
           <a:p>
             <a:fld id="{7261A074-9BDA-49BF-9295-4B36D6ED342A}" type="datetimeFigureOut">
               <a:rPr lang="en-US" smtClean="0"/>
-              <a:t>6/7/2020</a:t>
+              <a:t>6/8/2020</a:t>
             </a:fld>
             <a:endParaRPr lang="en-US" dirty="0"/>
           </a:p>
@@ -2350,7 +2355,7 @@
           <a:p>
             <a:fld id="{7261A074-9BDA-49BF-9295-4B36D6ED342A}" type="datetimeFigureOut">
               <a:rPr lang="en-US" smtClean="0"/>
-              <a:t>6/7/2020</a:t>
+              <a:t>6/8/2020</a:t>
             </a:fld>
             <a:endParaRPr lang="en-US" dirty="0"/>
           </a:p>
@@ -2468,7 +2473,7 @@
           <a:p>
             <a:fld id="{7261A074-9BDA-49BF-9295-4B36D6ED342A}" type="datetimeFigureOut">
               <a:rPr lang="en-US" smtClean="0"/>
-              <a:t>6/7/2020</a:t>
+              <a:t>6/8/2020</a:t>
             </a:fld>
             <a:endParaRPr lang="en-US" dirty="0"/>
           </a:p>
@@ -2563,7 +2568,7 @@
           <a:p>
             <a:fld id="{7261A074-9BDA-49BF-9295-4B36D6ED342A}" type="datetimeFigureOut">
               <a:rPr lang="en-US" smtClean="0"/>
-              <a:t>6/7/2020</a:t>
+              <a:t>6/8/2020</a:t>
             </a:fld>
             <a:endParaRPr lang="en-US" dirty="0"/>
           </a:p>
@@ -2855,7 +2860,7 @@
           <a:p>
             <a:fld id="{7261A074-9BDA-49BF-9295-4B36D6ED342A}" type="datetimeFigureOut">
               <a:rPr lang="en-US" smtClean="0"/>
-              <a:t>6/7/2020</a:t>
+              <a:t>6/8/2020</a:t>
             </a:fld>
             <a:endParaRPr lang="en-US" dirty="0"/>
           </a:p>
@@ -3177,7 +3182,7 @@
           <a:p>
             <a:fld id="{7261A074-9BDA-49BF-9295-4B36D6ED342A}" type="datetimeFigureOut">
               <a:rPr lang="en-US" smtClean="0"/>
-              <a:t>6/7/2020</a:t>
+              <a:t>6/8/2020</a:t>
             </a:fld>
             <a:endParaRPr lang="en-US" dirty="0"/>
           </a:p>
@@ -3429,7 +3434,7 @@
           <a:p>
             <a:fld id="{7261A074-9BDA-49BF-9295-4B36D6ED342A}" type="datetimeFigureOut">
               <a:rPr lang="en-US" smtClean="0"/>
-              <a:t>6/7/2020</a:t>
+              <a:t>6/8/2020</a:t>
             </a:fld>
             <a:endParaRPr lang="en-US" dirty="0"/>
           </a:p>
@@ -6344,8 +6349,12 @@
           <a:lstStyle/>
           <a:p>
             <a:r>
+              <a:rPr lang="en-IN"/>
+              <a:t>SQL Query </a:t>
+            </a:r>
+            <a:r>
               <a:rPr lang="en-IN" dirty="0"/>
-              <a:t>JDBC is database dependent.</a:t>
+              <a:t>is database dependent.</a:t>
             </a:r>
           </a:p>
           <a:p>
